--- a/Password_Scrambler_2.pptx
+++ b/Password_Scrambler_2.pptx
@@ -10,10 +10,9 @@
     <p:sldId id="263" r:id="rId4"/>
     <p:sldId id="258" r:id="rId5"/>
     <p:sldId id="259" r:id="rId6"/>
-    <p:sldId id="260" r:id="rId7"/>
-    <p:sldId id="265" r:id="rId8"/>
-    <p:sldId id="264" r:id="rId9"/>
-    <p:sldId id="261" r:id="rId10"/>
+    <p:sldId id="265" r:id="rId7"/>
+    <p:sldId id="264" r:id="rId8"/>
+    <p:sldId id="261" r:id="rId9"/>
   </p:sldIdLst>
   <p:sldSz cx="12192000" cy="6858000"/>
   <p:notesSz cx="6858000" cy="9144000"/>
@@ -5013,46 +5012,17 @@
         </p:blipFill>
         <p:spPr>
           <a:xfrm>
-            <a:off x="7630363" y="882772"/>
-            <a:ext cx="3308794" cy="4351338"/>
+            <a:off x="1180078" y="918237"/>
+            <a:ext cx="4047703" cy="5323064"/>
           </a:xfrm>
         </p:spPr>
       </p:pic>
-      <p:pic>
-        <p:nvPicPr>
-          <p:cNvPr id="18" name="Picture 17" descr="Graphical user interface, text, website&#10;&#10;Description automatically generated">
+      <p:sp>
+        <p:nvSpPr>
+          <p:cNvPr id="3" name="TextBox 2">
             <a:extLst>
               <a:ext uri="{FF2B5EF4-FFF2-40B4-BE49-F238E27FC236}">
-                <a16:creationId xmlns:a16="http://schemas.microsoft.com/office/drawing/2014/main" id="{EA8336FD-4A30-B06A-0953-9AD9C5C956A8}"/>
-              </a:ext>
-            </a:extLst>
-          </p:cNvPr>
-          <p:cNvPicPr>
-            <a:picLocks noChangeAspect="1"/>
-          </p:cNvPicPr>
-          <p:nvPr/>
-        </p:nvPicPr>
-        <p:blipFill rotWithShape="1">
-          <a:blip r:embed="rId3"/>
-          <a:srcRect r="11781"/>
-          <a:stretch/>
-        </p:blipFill>
-        <p:spPr>
-          <a:xfrm>
-            <a:off x="1933616" y="987790"/>
-            <a:ext cx="3824739" cy="4246320"/>
-          </a:xfrm>
-          <a:prstGeom prst="rect">
-            <a:avLst/>
-          </a:prstGeom>
-        </p:spPr>
-      </p:pic>
-      <p:sp>
-        <p:nvSpPr>
-          <p:cNvPr id="19" name="TextBox 18">
-            <a:extLst>
-              <a:ext uri="{FF2B5EF4-FFF2-40B4-BE49-F238E27FC236}">
-                <a16:creationId xmlns:a16="http://schemas.microsoft.com/office/drawing/2014/main" id="{5B62CF94-7110-9BA6-FBEB-7E5D4B6555A9}"/>
+                <a16:creationId xmlns:a16="http://schemas.microsoft.com/office/drawing/2014/main" id="{9E0BD259-1A55-DF28-7DA1-FCA7DB6BC3AF}"/>
               </a:ext>
             </a:extLst>
           </p:cNvPr>
@@ -5060,9 +5030,9 @@
           <p:nvPr/>
         </p:nvSpPr>
         <p:spPr>
-          <a:xfrm>
-            <a:off x="3643021" y="5604668"/>
-            <a:ext cx="5156422" cy="830997"/>
+          <a:xfrm rot="10800000" flipH="1" flipV="1">
+            <a:off x="6096000" y="2598003"/>
+            <a:ext cx="5754717" cy="1015663"/>
           </a:xfrm>
           <a:prstGeom prst="rect">
             <a:avLst/>
@@ -5076,8 +5046,55 @@
           <a:lstStyle/>
           <a:p>
             <a:r>
-              <a:rPr lang="en-US" sz="2400" dirty="0"/>
-              <a:t>Verify all login related elements and fields are presented on login page </a:t>
+              <a:rPr lang="en-US" sz="2000" dirty="0"/>
+              <a:t>Output an error message if user has tried to login </a:t>
+            </a:r>
+          </a:p>
+          <a:p>
+            <a:r>
+              <a:rPr lang="en-US" sz="2000" dirty="0"/>
+              <a:t>more than 10 times to then rest their image password </a:t>
+            </a:r>
+          </a:p>
+        </p:txBody>
+      </p:sp>
+      <p:sp>
+        <p:nvSpPr>
+          <p:cNvPr id="4" name="TextBox 3">
+            <a:extLst>
+              <a:ext uri="{FF2B5EF4-FFF2-40B4-BE49-F238E27FC236}">
+                <a16:creationId xmlns:a16="http://schemas.microsoft.com/office/drawing/2014/main" id="{16A85BCB-E308-270E-3770-36C13CB05D3D}"/>
+              </a:ext>
+            </a:extLst>
+          </p:cNvPr>
+          <p:cNvSpPr txBox="1"/>
+          <p:nvPr/>
+        </p:nvSpPr>
+        <p:spPr>
+          <a:xfrm>
+            <a:off x="3029527" y="2598003"/>
+            <a:ext cx="1874982" cy="738664"/>
+          </a:xfrm>
+          <a:prstGeom prst="rect">
+            <a:avLst/>
+          </a:prstGeom>
+          <a:noFill/>
+        </p:spPr>
+        <p:txBody>
+          <a:bodyPr wrap="square" rtlCol="0">
+            <a:spAutoFit/>
+          </a:bodyPr>
+          <a:lstStyle/>
+          <a:p>
+            <a:r>
+              <a:rPr lang="en-US" sz="1400" dirty="0"/>
+              <a:t>Error: number of attempts is over 10</a:t>
+            </a:r>
+          </a:p>
+          <a:p>
+            <a:r>
+              <a:rPr lang="en-US" sz="1400" dirty="0"/>
+              <a:t>Please reset password</a:t>
             </a:r>
           </a:p>
         </p:txBody>
@@ -5085,7 +5102,7 @@
     </p:spTree>
     <p:extLst>
       <p:ext uri="{BB962C8B-B14F-4D97-AF65-F5344CB8AC3E}">
-        <p14:creationId xmlns:p14="http://schemas.microsoft.com/office/powerpoint/2010/main" val="2454094490"/>
+        <p14:creationId xmlns:p14="http://schemas.microsoft.com/office/powerpoint/2010/main" val="49035657"/>
       </p:ext>
     </p:extLst>
   </p:cSld>
@@ -5145,179 +5162,6 @@
           </a:p>
         </p:txBody>
       </p:sp>
-      <p:pic>
-        <p:nvPicPr>
-          <p:cNvPr id="14" name="Content Placeholder 13" descr="Graphical user interface, text&#10;&#10;Description automatically generated">
-            <a:extLst>
-              <a:ext uri="{FF2B5EF4-FFF2-40B4-BE49-F238E27FC236}">
-                <a16:creationId xmlns:a16="http://schemas.microsoft.com/office/drawing/2014/main" id="{6E3DA7FE-1EFA-C9B5-58ED-EE95343566D4}"/>
-              </a:ext>
-            </a:extLst>
-          </p:cNvPr>
-          <p:cNvPicPr>
-            <a:picLocks noGrp="1" noChangeAspect="1"/>
-          </p:cNvPicPr>
-          <p:nvPr>
-            <p:ph idx="1"/>
-          </p:nvPr>
-        </p:nvPicPr>
-        <p:blipFill rotWithShape="1">
-          <a:blip r:embed="rId2"/>
-          <a:srcRect r="52708"/>
-          <a:stretch/>
-        </p:blipFill>
-        <p:spPr>
-          <a:xfrm>
-            <a:off x="1180078" y="918237"/>
-            <a:ext cx="4047703" cy="5323064"/>
-          </a:xfrm>
-        </p:spPr>
-      </p:pic>
-      <p:sp>
-        <p:nvSpPr>
-          <p:cNvPr id="3" name="TextBox 2">
-            <a:extLst>
-              <a:ext uri="{FF2B5EF4-FFF2-40B4-BE49-F238E27FC236}">
-                <a16:creationId xmlns:a16="http://schemas.microsoft.com/office/drawing/2014/main" id="{9E0BD259-1A55-DF28-7DA1-FCA7DB6BC3AF}"/>
-              </a:ext>
-            </a:extLst>
-          </p:cNvPr>
-          <p:cNvSpPr txBox="1"/>
-          <p:nvPr/>
-        </p:nvSpPr>
-        <p:spPr>
-          <a:xfrm rot="10800000" flipH="1" flipV="1">
-            <a:off x="6096000" y="2598003"/>
-            <a:ext cx="5754717" cy="1015663"/>
-          </a:xfrm>
-          <a:prstGeom prst="rect">
-            <a:avLst/>
-          </a:prstGeom>
-          <a:noFill/>
-        </p:spPr>
-        <p:txBody>
-          <a:bodyPr wrap="square" rtlCol="0">
-            <a:spAutoFit/>
-          </a:bodyPr>
-          <a:lstStyle/>
-          <a:p>
-            <a:r>
-              <a:rPr lang="en-US" sz="2000" dirty="0"/>
-              <a:t>Output an error message if user has tried to login </a:t>
-            </a:r>
-          </a:p>
-          <a:p>
-            <a:r>
-              <a:rPr lang="en-US" sz="2000" dirty="0"/>
-              <a:t>more than 10 times to then rest their image password </a:t>
-            </a:r>
-          </a:p>
-        </p:txBody>
-      </p:sp>
-      <p:sp>
-        <p:nvSpPr>
-          <p:cNvPr id="4" name="TextBox 3">
-            <a:extLst>
-              <a:ext uri="{FF2B5EF4-FFF2-40B4-BE49-F238E27FC236}">
-                <a16:creationId xmlns:a16="http://schemas.microsoft.com/office/drawing/2014/main" id="{16A85BCB-E308-270E-3770-36C13CB05D3D}"/>
-              </a:ext>
-            </a:extLst>
-          </p:cNvPr>
-          <p:cNvSpPr txBox="1"/>
-          <p:nvPr/>
-        </p:nvSpPr>
-        <p:spPr>
-          <a:xfrm>
-            <a:off x="3029527" y="2598003"/>
-            <a:ext cx="1874982" cy="738664"/>
-          </a:xfrm>
-          <a:prstGeom prst="rect">
-            <a:avLst/>
-          </a:prstGeom>
-          <a:noFill/>
-        </p:spPr>
-        <p:txBody>
-          <a:bodyPr wrap="square" rtlCol="0">
-            <a:spAutoFit/>
-          </a:bodyPr>
-          <a:lstStyle/>
-          <a:p>
-            <a:r>
-              <a:rPr lang="en-US" sz="1400" dirty="0"/>
-              <a:t>Error: number of attempts is over 10</a:t>
-            </a:r>
-          </a:p>
-          <a:p>
-            <a:r>
-              <a:rPr lang="en-US" sz="1400" dirty="0"/>
-              <a:t>Please reset password</a:t>
-            </a:r>
-          </a:p>
-        </p:txBody>
-      </p:sp>
-    </p:spTree>
-    <p:extLst>
-      <p:ext uri="{BB962C8B-B14F-4D97-AF65-F5344CB8AC3E}">
-        <p14:creationId xmlns:p14="http://schemas.microsoft.com/office/powerpoint/2010/main" val="49035657"/>
-      </p:ext>
-    </p:extLst>
-  </p:cSld>
-  <p:clrMapOvr>
-    <a:masterClrMapping/>
-  </p:clrMapOvr>
-</p:sld>
-</file>
-
-<file path=ppt/slides/slide8.xml><?xml version="1.0" encoding="utf-8"?>
-<p:sld xmlns:a="http://schemas.openxmlformats.org/drawingml/2006/main" xmlns:r="http://schemas.openxmlformats.org/officeDocument/2006/relationships" xmlns:p="http://schemas.openxmlformats.org/presentationml/2006/main">
-  <p:cSld>
-    <p:spTree>
-      <p:nvGrpSpPr>
-        <p:cNvPr id="1" name=""/>
-        <p:cNvGrpSpPr/>
-        <p:nvPr/>
-      </p:nvGrpSpPr>
-      <p:grpSpPr>
-        <a:xfrm>
-          <a:off x="0" y="0"/>
-          <a:ext cx="0" cy="0"/>
-          <a:chOff x="0" y="0"/>
-          <a:chExt cx="0" cy="0"/>
-        </a:xfrm>
-      </p:grpSpPr>
-      <p:sp>
-        <p:nvSpPr>
-          <p:cNvPr id="2" name="Title 1">
-            <a:extLst>
-              <a:ext uri="{FF2B5EF4-FFF2-40B4-BE49-F238E27FC236}">
-                <a16:creationId xmlns:a16="http://schemas.microsoft.com/office/drawing/2014/main" id="{90F67A00-F9B7-5E66-FAAD-DBCA69219658}"/>
-              </a:ext>
-            </a:extLst>
-          </p:cNvPr>
-          <p:cNvSpPr>
-            <a:spLocks noGrp="1"/>
-          </p:cNvSpPr>
-          <p:nvPr>
-            <p:ph type="title"/>
-          </p:nvPr>
-        </p:nvSpPr>
-        <p:spPr>
-          <a:xfrm>
-            <a:off x="838200" y="130347"/>
-            <a:ext cx="10515600" cy="1325563"/>
-          </a:xfrm>
-        </p:spPr>
-        <p:txBody>
-          <a:bodyPr/>
-          <a:lstStyle/>
-          <a:p>
-            <a:r>
-              <a:rPr lang="en-US" dirty="0"/>
-              <a:t>Test Case Scenarios</a:t>
-            </a:r>
-          </a:p>
-        </p:txBody>
-      </p:sp>
       <p:sp>
         <p:nvSpPr>
           <p:cNvPr id="19" name="TextBox 18">
@@ -5543,7 +5387,7 @@
 </p:sld>
 </file>
 
-<file path=ppt/slides/slide9.xml><?xml version="1.0" encoding="utf-8"?>
+<file path=ppt/slides/slide8.xml><?xml version="1.0" encoding="utf-8"?>
 <p:sld xmlns:a="http://schemas.openxmlformats.org/drawingml/2006/main" xmlns:r="http://schemas.openxmlformats.org/officeDocument/2006/relationships" xmlns:p="http://schemas.openxmlformats.org/presentationml/2006/main">
   <p:cSld>
     <p:bg>
